--- a/..frontend-references.pptx
+++ b/..frontend-references.pptx
@@ -5,12 +5,16 @@
     <p:sldMasterId id="2147483648" r:id="rId1"/>
   </p:sldMasterIdLst>
   <p:notesMasterIdLst>
-    <p:notesMasterId r:id="rId5"/>
+    <p:notesMasterId r:id="rId9"/>
   </p:notesMasterIdLst>
   <p:sldIdLst>
     <p:sldId id="256" r:id="rId2"/>
     <p:sldId id="257" r:id="rId3"/>
-    <p:sldId id="258" r:id="rId4"/>
+    <p:sldId id="261" r:id="rId4"/>
+    <p:sldId id="259" r:id="rId5"/>
+    <p:sldId id="262" r:id="rId6"/>
+    <p:sldId id="260" r:id="rId7"/>
+    <p:sldId id="258" r:id="rId8"/>
   </p:sldIdLst>
   <p:sldSz cx="12192000" cy="6858000"/>
   <p:notesSz cx="6858000" cy="9144000"/>
@@ -120,6 +124,10 @@
         <p14:section name="dashboard" id="{7DDEA262-3ECD-47A9-B25E-DF3CBEDD9EC6}">
           <p14:sldIdLst>
             <p14:sldId id="257"/>
+            <p14:sldId id="261"/>
+            <p14:sldId id="259"/>
+            <p14:sldId id="262"/>
+            <p14:sldId id="260"/>
           </p14:sldIdLst>
         </p14:section>
         <p14:section name="login" id="{61EE99A2-612D-40A4-8332-A0B1D3397C6A}">
@@ -218,7 +226,7 @@
           <a:p>
             <a:fld id="{25A88884-ACC0-4734-B290-BFF8251A68A2}" type="datetimeFigureOut">
               <a:rPr lang="en-PH" smtClean="0"/>
-              <a:t>10/04/2022</a:t>
+              <a:t>17/05/2022</a:t>
             </a:fld>
             <a:endParaRPr lang="en-PH"/>
           </a:p>
@@ -787,7 +795,7 @@
           <a:p>
             <a:fld id="{63A1C593-65D0-4073-BCC9-577B9352EA97}" type="datetimeFigureOut">
               <a:rPr lang="en-US" smtClean="0"/>
-              <a:t>4/10/2022</a:t>
+              <a:t>5/17/2022</a:t>
             </a:fld>
             <a:endParaRPr lang="en-US"/>
           </a:p>
@@ -955,7 +963,7 @@
           <a:p>
             <a:fld id="{63A1C593-65D0-4073-BCC9-577B9352EA97}" type="datetimeFigureOut">
               <a:rPr lang="en-US" smtClean="0"/>
-              <a:t>4/10/2022</a:t>
+              <a:t>5/17/2022</a:t>
             </a:fld>
             <a:endParaRPr lang="en-US"/>
           </a:p>
@@ -1133,7 +1141,7 @@
           <a:p>
             <a:fld id="{63A1C593-65D0-4073-BCC9-577B9352EA97}" type="datetimeFigureOut">
               <a:rPr lang="en-US" smtClean="0"/>
-              <a:t>4/10/2022</a:t>
+              <a:t>5/17/2022</a:t>
             </a:fld>
             <a:endParaRPr lang="en-US"/>
           </a:p>
@@ -1301,7 +1309,7 @@
           <a:p>
             <a:fld id="{63A1C593-65D0-4073-BCC9-577B9352EA97}" type="datetimeFigureOut">
               <a:rPr lang="en-US" smtClean="0"/>
-              <a:t>4/10/2022</a:t>
+              <a:t>5/17/2022</a:t>
             </a:fld>
             <a:endParaRPr lang="en-US"/>
           </a:p>
@@ -1546,7 +1554,7 @@
           <a:p>
             <a:fld id="{63A1C593-65D0-4073-BCC9-577B9352EA97}" type="datetimeFigureOut">
               <a:rPr lang="en-US" smtClean="0"/>
-              <a:t>4/10/2022</a:t>
+              <a:t>5/17/2022</a:t>
             </a:fld>
             <a:endParaRPr lang="en-US"/>
           </a:p>
@@ -1775,7 +1783,7 @@
           <a:p>
             <a:fld id="{63A1C593-65D0-4073-BCC9-577B9352EA97}" type="datetimeFigureOut">
               <a:rPr lang="en-US" smtClean="0"/>
-              <a:t>4/10/2022</a:t>
+              <a:t>5/17/2022</a:t>
             </a:fld>
             <a:endParaRPr lang="en-US"/>
           </a:p>
@@ -2139,7 +2147,7 @@
           <a:p>
             <a:fld id="{63A1C593-65D0-4073-BCC9-577B9352EA97}" type="datetimeFigureOut">
               <a:rPr lang="en-US" smtClean="0"/>
-              <a:t>4/10/2022</a:t>
+              <a:t>5/17/2022</a:t>
             </a:fld>
             <a:endParaRPr lang="en-US"/>
           </a:p>
@@ -2256,7 +2264,7 @@
           <a:p>
             <a:fld id="{63A1C593-65D0-4073-BCC9-577B9352EA97}" type="datetimeFigureOut">
               <a:rPr lang="en-US" smtClean="0"/>
-              <a:t>4/10/2022</a:t>
+              <a:t>5/17/2022</a:t>
             </a:fld>
             <a:endParaRPr lang="en-US"/>
           </a:p>
@@ -2351,7 +2359,7 @@
           <a:p>
             <a:fld id="{63A1C593-65D0-4073-BCC9-577B9352EA97}" type="datetimeFigureOut">
               <a:rPr lang="en-US" smtClean="0"/>
-              <a:t>4/10/2022</a:t>
+              <a:t>5/17/2022</a:t>
             </a:fld>
             <a:endParaRPr lang="en-US"/>
           </a:p>
@@ -2626,7 +2634,7 @@
           <a:p>
             <a:fld id="{63A1C593-65D0-4073-BCC9-577B9352EA97}" type="datetimeFigureOut">
               <a:rPr lang="en-US" smtClean="0"/>
-              <a:t>4/10/2022</a:t>
+              <a:t>5/17/2022</a:t>
             </a:fld>
             <a:endParaRPr lang="en-US"/>
           </a:p>
@@ -2878,7 +2886,7 @@
           <a:p>
             <a:fld id="{63A1C593-65D0-4073-BCC9-577B9352EA97}" type="datetimeFigureOut">
               <a:rPr lang="en-US" smtClean="0"/>
-              <a:t>4/10/2022</a:t>
+              <a:t>5/17/2022</a:t>
             </a:fld>
             <a:endParaRPr lang="en-US"/>
           </a:p>
@@ -3089,7 +3097,7 @@
           <a:p>
             <a:fld id="{63A1C593-65D0-4073-BCC9-577B9352EA97}" type="datetimeFigureOut">
               <a:rPr lang="en-US" smtClean="0"/>
-              <a:t>4/10/2022</a:t>
+              <a:t>5/17/2022</a:t>
             </a:fld>
             <a:endParaRPr lang="en-US"/>
           </a:p>
@@ -3647,8 +3655,14 @@
           <a:lstStyle/>
           <a:p>
             <a:r>
+              <a:rPr lang="en-PH">
+                <a:hlinkClick r:id="rId4"/>
+              </a:rPr>
+              <a:t>https://clockify.me/time-clock-app</a:t>
+            </a:r>
+            <a:r>
               <a:rPr lang="en-PH"/>
-              <a:t>https://clockify.me/time-clock-app</a:t>
+              <a:t> </a:t>
             </a:r>
           </a:p>
         </p:txBody>
@@ -3667,6 +3681,418 @@
 </file>
 
 <file path=ppt/slides/slide3.xml><?xml version="1.0" encoding="utf-8"?>
+<p:sld xmlns:a="http://schemas.openxmlformats.org/drawingml/2006/main" xmlns:r="http://schemas.openxmlformats.org/officeDocument/2006/relationships" xmlns:p="http://schemas.openxmlformats.org/presentationml/2006/main">
+  <p:cSld>
+    <p:spTree>
+      <p:nvGrpSpPr>
+        <p:cNvPr id="1" name=""/>
+        <p:cNvGrpSpPr/>
+        <p:nvPr/>
+      </p:nvGrpSpPr>
+      <p:grpSpPr>
+        <a:xfrm>
+          <a:off x="0" y="0"/>
+          <a:ext cx="0" cy="0"/>
+          <a:chOff x="0" y="0"/>
+          <a:chExt cx="0" cy="0"/>
+        </a:xfrm>
+      </p:grpSpPr>
+      <p:pic>
+        <p:nvPicPr>
+          <p:cNvPr id="5" name="Picture 4">
+            <a:extLst>
+              <a:ext uri="{FF2B5EF4-FFF2-40B4-BE49-F238E27FC236}">
+                <a16:creationId xmlns:a16="http://schemas.microsoft.com/office/drawing/2014/main" id="{01673054-E271-A186-4DFA-95460BD30B67}"/>
+              </a:ext>
+            </a:extLst>
+          </p:cNvPr>
+          <p:cNvPicPr>
+            <a:picLocks noChangeAspect="1"/>
+          </p:cNvPicPr>
+          <p:nvPr/>
+        </p:nvPicPr>
+        <p:blipFill>
+          <a:blip r:embed="rId2"/>
+          <a:stretch>
+            <a:fillRect/>
+          </a:stretch>
+        </p:blipFill>
+        <p:spPr>
+          <a:xfrm>
+            <a:off x="307609" y="2362200"/>
+            <a:ext cx="2530716" cy="4495800"/>
+          </a:xfrm>
+          <a:prstGeom prst="rect">
+            <a:avLst/>
+          </a:prstGeom>
+        </p:spPr>
+      </p:pic>
+      <p:sp>
+        <p:nvSpPr>
+          <p:cNvPr id="6" name="Rectangle 5">
+            <a:extLst>
+              <a:ext uri="{FF2B5EF4-FFF2-40B4-BE49-F238E27FC236}">
+                <a16:creationId xmlns:a16="http://schemas.microsoft.com/office/drawing/2014/main" id="{B3BBD4F8-A147-E209-527A-BE28B8BD133D}"/>
+              </a:ext>
+            </a:extLst>
+          </p:cNvPr>
+          <p:cNvSpPr/>
+          <p:nvPr/>
+        </p:nvSpPr>
+        <p:spPr>
+          <a:xfrm>
+            <a:off x="0" y="348423"/>
+            <a:ext cx="3235309" cy="1754326"/>
+          </a:xfrm>
+          <a:prstGeom prst="rect">
+            <a:avLst/>
+          </a:prstGeom>
+          <a:noFill/>
+        </p:spPr>
+        <p:txBody>
+          <a:bodyPr wrap="none" lIns="91440" tIns="45720" rIns="91440" bIns="45720">
+            <a:spAutoFit/>
+          </a:bodyPr>
+          <a:lstStyle/>
+          <a:p>
+            <a:pPr algn="ctr"/>
+            <a:r>
+              <a:rPr lang="en-US" sz="5400" b="0" cap="none" spc="0">
+                <a:ln w="0"/>
+                <a:solidFill>
+                  <a:schemeClr val="tx1"/>
+                </a:solidFill>
+                <a:effectLst>
+                  <a:outerShdw blurRad="38100" dist="19050" dir="2700000" algn="tl" rotWithShape="0">
+                    <a:schemeClr val="dk1">
+                      <a:alpha val="40000"/>
+                    </a:schemeClr>
+                  </a:outerShdw>
+                </a:effectLst>
+              </a:rPr>
+              <a:t>Teacher </a:t>
+            </a:r>
+          </a:p>
+          <a:p>
+            <a:pPr algn="ctr"/>
+            <a:r>
+              <a:rPr lang="en-US" sz="5400" b="0" cap="none" spc="0">
+                <a:ln w="0"/>
+                <a:solidFill>
+                  <a:schemeClr val="tx1"/>
+                </a:solidFill>
+                <a:effectLst>
+                  <a:outerShdw blurRad="38100" dist="19050" dir="2700000" algn="tl" rotWithShape="0">
+                    <a:schemeClr val="dk1">
+                      <a:alpha val="40000"/>
+                    </a:schemeClr>
+                  </a:outerShdw>
+                </a:effectLst>
+              </a:rPr>
+              <a:t>Dashboard</a:t>
+            </a:r>
+          </a:p>
+        </p:txBody>
+      </p:sp>
+      <p:pic>
+        <p:nvPicPr>
+          <p:cNvPr id="1026" name="Picture 2" descr="New Canvas Dashboard – Instructional Technology Group">
+            <a:extLst>
+              <a:ext uri="{FF2B5EF4-FFF2-40B4-BE49-F238E27FC236}">
+                <a16:creationId xmlns:a16="http://schemas.microsoft.com/office/drawing/2014/main" id="{44FBFAA5-04DE-4972-109D-86FC7BA0F0C0}"/>
+              </a:ext>
+            </a:extLst>
+          </p:cNvPr>
+          <p:cNvPicPr>
+            <a:picLocks noChangeAspect="1" noChangeArrowheads="1"/>
+          </p:cNvPicPr>
+          <p:nvPr/>
+        </p:nvPicPr>
+        <p:blipFill>
+          <a:blip r:embed="rId3" cstate="print">
+            <a:extLst>
+              <a:ext uri="{28A0092B-C50C-407E-A947-70E740481C1C}">
+                <a14:useLocalDpi xmlns:a14="http://schemas.microsoft.com/office/drawing/2010/main" val="0"/>
+              </a:ext>
+            </a:extLst>
+          </a:blip>
+          <a:srcRect/>
+          <a:stretch>
+            <a:fillRect/>
+          </a:stretch>
+        </p:blipFill>
+        <p:spPr bwMode="auto">
+          <a:xfrm>
+            <a:off x="3713202" y="378903"/>
+            <a:ext cx="8171189" cy="5153217"/>
+          </a:xfrm>
+          <a:prstGeom prst="rect">
+            <a:avLst/>
+          </a:prstGeom>
+          <a:noFill/>
+          <a:extLst>
+            <a:ext uri="{909E8E84-426E-40DD-AFC4-6F175D3DCCD1}">
+              <a14:hiddenFill xmlns:a14="http://schemas.microsoft.com/office/drawing/2010/main">
+                <a:solidFill>
+                  <a:srgbClr val="FFFFFF"/>
+                </a:solidFill>
+              </a14:hiddenFill>
+            </a:ext>
+          </a:extLst>
+        </p:spPr>
+      </p:pic>
+    </p:spTree>
+    <p:extLst>
+      <p:ext uri="{BB962C8B-B14F-4D97-AF65-F5344CB8AC3E}">
+        <p14:creationId xmlns:p14="http://schemas.microsoft.com/office/powerpoint/2010/main" val="3035788581"/>
+      </p:ext>
+    </p:extLst>
+  </p:cSld>
+  <p:clrMapOvr>
+    <a:masterClrMapping/>
+  </p:clrMapOvr>
+</p:sld>
+</file>
+
+<file path=ppt/slides/slide4.xml><?xml version="1.0" encoding="utf-8"?>
+<p:sld xmlns:a="http://schemas.openxmlformats.org/drawingml/2006/main" xmlns:r="http://schemas.openxmlformats.org/officeDocument/2006/relationships" xmlns:p="http://schemas.openxmlformats.org/presentationml/2006/main">
+  <p:cSld>
+    <p:spTree>
+      <p:nvGrpSpPr>
+        <p:cNvPr id="1" name=""/>
+        <p:cNvGrpSpPr/>
+        <p:nvPr/>
+      </p:nvGrpSpPr>
+      <p:grpSpPr>
+        <a:xfrm>
+          <a:off x="0" y="0"/>
+          <a:ext cx="0" cy="0"/>
+          <a:chOff x="0" y="0"/>
+          <a:chExt cx="0" cy="0"/>
+        </a:xfrm>
+      </p:grpSpPr>
+      <p:pic>
+        <p:nvPicPr>
+          <p:cNvPr id="5" name="Picture 4">
+            <a:extLst>
+              <a:ext uri="{FF2B5EF4-FFF2-40B4-BE49-F238E27FC236}">
+                <a16:creationId xmlns:a16="http://schemas.microsoft.com/office/drawing/2014/main" id="{9D7D0C1C-FFA4-8070-D07C-754CEC7FF5EC}"/>
+              </a:ext>
+            </a:extLst>
+          </p:cNvPr>
+          <p:cNvPicPr>
+            <a:picLocks noChangeAspect="1"/>
+          </p:cNvPicPr>
+          <p:nvPr/>
+        </p:nvPicPr>
+        <p:blipFill>
+          <a:blip r:embed="rId2"/>
+          <a:stretch>
+            <a:fillRect/>
+          </a:stretch>
+        </p:blipFill>
+        <p:spPr>
+          <a:xfrm>
+            <a:off x="951390" y="610131"/>
+            <a:ext cx="9969623" cy="5140587"/>
+          </a:xfrm>
+          <a:prstGeom prst="rect">
+            <a:avLst/>
+          </a:prstGeom>
+        </p:spPr>
+      </p:pic>
+      <p:sp>
+        <p:nvSpPr>
+          <p:cNvPr id="7" name="TextBox 6">
+            <a:extLst>
+              <a:ext uri="{FF2B5EF4-FFF2-40B4-BE49-F238E27FC236}">
+                <a16:creationId xmlns:a16="http://schemas.microsoft.com/office/drawing/2014/main" id="{B689280B-6C87-1A19-B97C-37EFE4A3A26B}"/>
+              </a:ext>
+            </a:extLst>
+          </p:cNvPr>
+          <p:cNvSpPr txBox="1"/>
+          <p:nvPr/>
+        </p:nvSpPr>
+        <p:spPr>
+          <a:xfrm>
+            <a:off x="951390" y="6063203"/>
+            <a:ext cx="6094520" cy="369332"/>
+          </a:xfrm>
+          <a:prstGeom prst="rect">
+            <a:avLst/>
+          </a:prstGeom>
+          <a:noFill/>
+        </p:spPr>
+        <p:txBody>
+          <a:bodyPr wrap="square">
+            <a:spAutoFit/>
+          </a:bodyPr>
+          <a:lstStyle/>
+          <a:p>
+            <a:r>
+              <a:rPr lang="en-PH">
+                <a:hlinkClick r:id="rId3"/>
+              </a:rPr>
+              <a:t>https://github.com/xtian18/kweeznuts</a:t>
+            </a:r>
+            <a:r>
+              <a:rPr lang="en-PH"/>
+              <a:t> </a:t>
+            </a:r>
+          </a:p>
+        </p:txBody>
+      </p:sp>
+    </p:spTree>
+    <p:extLst>
+      <p:ext uri="{BB962C8B-B14F-4D97-AF65-F5344CB8AC3E}">
+        <p14:creationId xmlns:p14="http://schemas.microsoft.com/office/powerpoint/2010/main" val="1654169739"/>
+      </p:ext>
+    </p:extLst>
+  </p:cSld>
+  <p:clrMapOvr>
+    <a:masterClrMapping/>
+  </p:clrMapOvr>
+</p:sld>
+</file>
+
+<file path=ppt/slides/slide5.xml><?xml version="1.0" encoding="utf-8"?>
+<p:sld xmlns:a="http://schemas.openxmlformats.org/drawingml/2006/main" xmlns:r="http://schemas.openxmlformats.org/officeDocument/2006/relationships" xmlns:p="http://schemas.openxmlformats.org/presentationml/2006/main">
+  <p:cSld>
+    <p:spTree>
+      <p:nvGrpSpPr>
+        <p:cNvPr id="1" name=""/>
+        <p:cNvGrpSpPr/>
+        <p:nvPr/>
+      </p:nvGrpSpPr>
+      <p:grpSpPr>
+        <a:xfrm>
+          <a:off x="0" y="0"/>
+          <a:ext cx="0" cy="0"/>
+          <a:chOff x="0" y="0"/>
+          <a:chExt cx="0" cy="0"/>
+        </a:xfrm>
+      </p:grpSpPr>
+      <p:pic>
+        <p:nvPicPr>
+          <p:cNvPr id="4" name="Picture 4" descr="21 best LMS Dashboards images on Pinterest | Dashboards, Dashboard ...">
+            <a:extLst>
+              <a:ext uri="{FF2B5EF4-FFF2-40B4-BE49-F238E27FC236}">
+                <a16:creationId xmlns:a16="http://schemas.microsoft.com/office/drawing/2014/main" id="{A482DF82-4CEA-38A8-7A49-15E429565975}"/>
+              </a:ext>
+            </a:extLst>
+          </p:cNvPr>
+          <p:cNvPicPr>
+            <a:picLocks noChangeAspect="1" noChangeArrowheads="1"/>
+          </p:cNvPicPr>
+          <p:nvPr/>
+        </p:nvPicPr>
+        <p:blipFill>
+          <a:blip r:embed="rId2">
+            <a:extLst>
+              <a:ext uri="{28A0092B-C50C-407E-A947-70E740481C1C}">
+                <a14:useLocalDpi xmlns:a14="http://schemas.microsoft.com/office/drawing/2010/main" val="0"/>
+              </a:ext>
+            </a:extLst>
+          </a:blip>
+          <a:srcRect/>
+          <a:stretch>
+            <a:fillRect/>
+          </a:stretch>
+        </p:blipFill>
+        <p:spPr bwMode="auto">
+          <a:xfrm>
+            <a:off x="1905000" y="257278"/>
+            <a:ext cx="8382000" cy="6343443"/>
+          </a:xfrm>
+          <a:prstGeom prst="rect">
+            <a:avLst/>
+          </a:prstGeom>
+          <a:noFill/>
+          <a:extLst>
+            <a:ext uri="{909E8E84-426E-40DD-AFC4-6F175D3DCCD1}">
+              <a14:hiddenFill xmlns:a14="http://schemas.microsoft.com/office/drawing/2010/main">
+                <a:solidFill>
+                  <a:srgbClr val="FFFFFF"/>
+                </a:solidFill>
+              </a14:hiddenFill>
+            </a:ext>
+          </a:extLst>
+        </p:spPr>
+      </p:pic>
+    </p:spTree>
+    <p:extLst>
+      <p:ext uri="{BB962C8B-B14F-4D97-AF65-F5344CB8AC3E}">
+        <p14:creationId xmlns:p14="http://schemas.microsoft.com/office/powerpoint/2010/main" val="1923990437"/>
+      </p:ext>
+    </p:extLst>
+  </p:cSld>
+  <p:clrMapOvr>
+    <a:masterClrMapping/>
+  </p:clrMapOvr>
+</p:sld>
+</file>
+
+<file path=ppt/slides/slide6.xml><?xml version="1.0" encoding="utf-8"?>
+<p:sld xmlns:a="http://schemas.openxmlformats.org/drawingml/2006/main" xmlns:r="http://schemas.openxmlformats.org/officeDocument/2006/relationships" xmlns:p="http://schemas.openxmlformats.org/presentationml/2006/main">
+  <p:cSld>
+    <p:spTree>
+      <p:nvGrpSpPr>
+        <p:cNvPr id="1" name=""/>
+        <p:cNvGrpSpPr/>
+        <p:nvPr/>
+      </p:nvGrpSpPr>
+      <p:grpSpPr>
+        <a:xfrm>
+          <a:off x="0" y="0"/>
+          <a:ext cx="0" cy="0"/>
+          <a:chOff x="0" y="0"/>
+          <a:chExt cx="0" cy="0"/>
+        </a:xfrm>
+      </p:grpSpPr>
+      <p:pic>
+        <p:nvPicPr>
+          <p:cNvPr id="9" name="Picture 8">
+            <a:extLst>
+              <a:ext uri="{FF2B5EF4-FFF2-40B4-BE49-F238E27FC236}">
+                <a16:creationId xmlns:a16="http://schemas.microsoft.com/office/drawing/2014/main" id="{474154A9-EFDD-D92F-72D5-5DA05D31709D}"/>
+              </a:ext>
+            </a:extLst>
+          </p:cNvPr>
+          <p:cNvPicPr>
+            <a:picLocks noChangeAspect="1"/>
+          </p:cNvPicPr>
+          <p:nvPr/>
+        </p:nvPicPr>
+        <p:blipFill>
+          <a:blip r:embed="rId2"/>
+          <a:stretch>
+            <a:fillRect/>
+          </a:stretch>
+        </p:blipFill>
+        <p:spPr>
+          <a:xfrm>
+            <a:off x="294465" y="385337"/>
+            <a:ext cx="11603069" cy="6087325"/>
+          </a:xfrm>
+          <a:prstGeom prst="rect">
+            <a:avLst/>
+          </a:prstGeom>
+        </p:spPr>
+      </p:pic>
+    </p:spTree>
+    <p:extLst>
+      <p:ext uri="{BB962C8B-B14F-4D97-AF65-F5344CB8AC3E}">
+        <p14:creationId xmlns:p14="http://schemas.microsoft.com/office/powerpoint/2010/main" val="2814213910"/>
+      </p:ext>
+    </p:extLst>
+  </p:cSld>
+  <p:clrMapOvr>
+    <a:masterClrMapping/>
+  </p:clrMapOvr>
+</p:sld>
+</file>
+
+<file path=ppt/slides/slide7.xml><?xml version="1.0" encoding="utf-8"?>
 <p:sld xmlns:a="http://schemas.openxmlformats.org/drawingml/2006/main" xmlns:r="http://schemas.openxmlformats.org/officeDocument/2006/relationships" xmlns:p="http://schemas.openxmlformats.org/presentationml/2006/main">
   <p:cSld>
     <p:spTree>

--- a/..frontend-references.pptx
+++ b/..frontend-references.pptx
@@ -5,7 +5,7 @@
     <p:sldMasterId id="2147483648" r:id="rId1"/>
   </p:sldMasterIdLst>
   <p:notesMasterIdLst>
-    <p:notesMasterId r:id="rId9"/>
+    <p:notesMasterId r:id="rId12"/>
   </p:notesMasterIdLst>
   <p:sldIdLst>
     <p:sldId id="256" r:id="rId2"/>
@@ -15,6 +15,9 @@
     <p:sldId id="262" r:id="rId6"/>
     <p:sldId id="260" r:id="rId7"/>
     <p:sldId id="258" r:id="rId8"/>
+    <p:sldId id="263" r:id="rId9"/>
+    <p:sldId id="265" r:id="rId10"/>
+    <p:sldId id="264" r:id="rId11"/>
   </p:sldIdLst>
   <p:sldSz cx="12192000" cy="6858000"/>
   <p:notesSz cx="6858000" cy="9144000"/>
@@ -130,9 +133,12 @@
             <p14:sldId id="260"/>
           </p14:sldIdLst>
         </p14:section>
-        <p14:section name="login" id="{61EE99A2-612D-40A4-8332-A0B1D3397C6A}">
+        <p14:section name="index" id="{61EE99A2-612D-40A4-8332-A0B1D3397C6A}">
           <p14:sldIdLst>
             <p14:sldId id="258"/>
+            <p14:sldId id="263"/>
+            <p14:sldId id="265"/>
+            <p14:sldId id="264"/>
           </p14:sldIdLst>
         </p14:section>
       </p14:sectionLst>
@@ -226,7 +232,7 @@
           <a:p>
             <a:fld id="{25A88884-ACC0-4734-B290-BFF8251A68A2}" type="datetimeFigureOut">
               <a:rPr lang="en-PH" smtClean="0"/>
-              <a:t>17/05/2022</a:t>
+              <a:t>22/05/2022</a:t>
             </a:fld>
             <a:endParaRPr lang="en-PH"/>
           </a:p>
@@ -795,7 +801,7 @@
           <a:p>
             <a:fld id="{63A1C593-65D0-4073-BCC9-577B9352EA97}" type="datetimeFigureOut">
               <a:rPr lang="en-US" smtClean="0"/>
-              <a:t>5/17/2022</a:t>
+              <a:t>5/22/2022</a:t>
             </a:fld>
             <a:endParaRPr lang="en-US"/>
           </a:p>
@@ -963,7 +969,7 @@
           <a:p>
             <a:fld id="{63A1C593-65D0-4073-BCC9-577B9352EA97}" type="datetimeFigureOut">
               <a:rPr lang="en-US" smtClean="0"/>
-              <a:t>5/17/2022</a:t>
+              <a:t>5/22/2022</a:t>
             </a:fld>
             <a:endParaRPr lang="en-US"/>
           </a:p>
@@ -1141,7 +1147,7 @@
           <a:p>
             <a:fld id="{63A1C593-65D0-4073-BCC9-577B9352EA97}" type="datetimeFigureOut">
               <a:rPr lang="en-US" smtClean="0"/>
-              <a:t>5/17/2022</a:t>
+              <a:t>5/22/2022</a:t>
             </a:fld>
             <a:endParaRPr lang="en-US"/>
           </a:p>
@@ -1309,7 +1315,7 @@
           <a:p>
             <a:fld id="{63A1C593-65D0-4073-BCC9-577B9352EA97}" type="datetimeFigureOut">
               <a:rPr lang="en-US" smtClean="0"/>
-              <a:t>5/17/2022</a:t>
+              <a:t>5/22/2022</a:t>
             </a:fld>
             <a:endParaRPr lang="en-US"/>
           </a:p>
@@ -1554,7 +1560,7 @@
           <a:p>
             <a:fld id="{63A1C593-65D0-4073-BCC9-577B9352EA97}" type="datetimeFigureOut">
               <a:rPr lang="en-US" smtClean="0"/>
-              <a:t>5/17/2022</a:t>
+              <a:t>5/22/2022</a:t>
             </a:fld>
             <a:endParaRPr lang="en-US"/>
           </a:p>
@@ -1783,7 +1789,7 @@
           <a:p>
             <a:fld id="{63A1C593-65D0-4073-BCC9-577B9352EA97}" type="datetimeFigureOut">
               <a:rPr lang="en-US" smtClean="0"/>
-              <a:t>5/17/2022</a:t>
+              <a:t>5/22/2022</a:t>
             </a:fld>
             <a:endParaRPr lang="en-US"/>
           </a:p>
@@ -2147,7 +2153,7 @@
           <a:p>
             <a:fld id="{63A1C593-65D0-4073-BCC9-577B9352EA97}" type="datetimeFigureOut">
               <a:rPr lang="en-US" smtClean="0"/>
-              <a:t>5/17/2022</a:t>
+              <a:t>5/22/2022</a:t>
             </a:fld>
             <a:endParaRPr lang="en-US"/>
           </a:p>
@@ -2264,7 +2270,7 @@
           <a:p>
             <a:fld id="{63A1C593-65D0-4073-BCC9-577B9352EA97}" type="datetimeFigureOut">
               <a:rPr lang="en-US" smtClean="0"/>
-              <a:t>5/17/2022</a:t>
+              <a:t>5/22/2022</a:t>
             </a:fld>
             <a:endParaRPr lang="en-US"/>
           </a:p>
@@ -2359,7 +2365,7 @@
           <a:p>
             <a:fld id="{63A1C593-65D0-4073-BCC9-577B9352EA97}" type="datetimeFigureOut">
               <a:rPr lang="en-US" smtClean="0"/>
-              <a:t>5/17/2022</a:t>
+              <a:t>5/22/2022</a:t>
             </a:fld>
             <a:endParaRPr lang="en-US"/>
           </a:p>
@@ -2634,7 +2640,7 @@
           <a:p>
             <a:fld id="{63A1C593-65D0-4073-BCC9-577B9352EA97}" type="datetimeFigureOut">
               <a:rPr lang="en-US" smtClean="0"/>
-              <a:t>5/17/2022</a:t>
+              <a:t>5/22/2022</a:t>
             </a:fld>
             <a:endParaRPr lang="en-US"/>
           </a:p>
@@ -2886,7 +2892,7 @@
           <a:p>
             <a:fld id="{63A1C593-65D0-4073-BCC9-577B9352EA97}" type="datetimeFigureOut">
               <a:rPr lang="en-US" smtClean="0"/>
-              <a:t>5/17/2022</a:t>
+              <a:t>5/22/2022</a:t>
             </a:fld>
             <a:endParaRPr lang="en-US"/>
           </a:p>
@@ -3097,7 +3103,7 @@
           <a:p>
             <a:fld id="{63A1C593-65D0-4073-BCC9-577B9352EA97}" type="datetimeFigureOut">
               <a:rPr lang="en-US" smtClean="0"/>
-              <a:t>5/17/2022</a:t>
+              <a:t>5/22/2022</a:t>
             </a:fld>
             <a:endParaRPr lang="en-US"/>
           </a:p>
@@ -3562,6 +3568,116 @@
 </p:sld>
 </file>
 
+<file path=ppt/slides/slide10.xml><?xml version="1.0" encoding="utf-8"?>
+<p:sld xmlns:a="http://schemas.openxmlformats.org/drawingml/2006/main" xmlns:r="http://schemas.openxmlformats.org/officeDocument/2006/relationships" xmlns:p="http://schemas.openxmlformats.org/presentationml/2006/main">
+  <p:cSld>
+    <p:spTree>
+      <p:nvGrpSpPr>
+        <p:cNvPr id="1" name=""/>
+        <p:cNvGrpSpPr/>
+        <p:nvPr/>
+      </p:nvGrpSpPr>
+      <p:grpSpPr>
+        <a:xfrm>
+          <a:off x="0" y="0"/>
+          <a:ext cx="0" cy="0"/>
+          <a:chOff x="0" y="0"/>
+          <a:chExt cx="0" cy="0"/>
+        </a:xfrm>
+      </p:grpSpPr>
+      <p:sp>
+        <p:nvSpPr>
+          <p:cNvPr id="2" name="Title 1">
+            <a:extLst>
+              <a:ext uri="{FF2B5EF4-FFF2-40B4-BE49-F238E27FC236}">
+                <a16:creationId xmlns:a16="http://schemas.microsoft.com/office/drawing/2014/main" id="{1AA0E379-B1BD-F13B-B045-96CBB84B3CE9}"/>
+              </a:ext>
+            </a:extLst>
+          </p:cNvPr>
+          <p:cNvSpPr>
+            <a:spLocks noGrp="1"/>
+          </p:cNvSpPr>
+          <p:nvPr>
+            <p:ph type="title"/>
+          </p:nvPr>
+        </p:nvSpPr>
+        <p:spPr/>
+        <p:txBody>
+          <a:bodyPr/>
+          <a:lstStyle/>
+          <a:p>
+            <a:endParaRPr lang="en-PH"/>
+          </a:p>
+        </p:txBody>
+      </p:sp>
+      <p:sp>
+        <p:nvSpPr>
+          <p:cNvPr id="3" name="Content Placeholder 2">
+            <a:extLst>
+              <a:ext uri="{FF2B5EF4-FFF2-40B4-BE49-F238E27FC236}">
+                <a16:creationId xmlns:a16="http://schemas.microsoft.com/office/drawing/2014/main" id="{BA598F07-05C8-64C7-BCF3-5F95774327E6}"/>
+              </a:ext>
+            </a:extLst>
+          </p:cNvPr>
+          <p:cNvSpPr>
+            <a:spLocks noGrp="1"/>
+          </p:cNvSpPr>
+          <p:nvPr>
+            <p:ph idx="1"/>
+          </p:nvPr>
+        </p:nvSpPr>
+        <p:spPr/>
+        <p:txBody>
+          <a:bodyPr/>
+          <a:lstStyle/>
+          <a:p>
+            <a:endParaRPr lang="en-PH"/>
+          </a:p>
+        </p:txBody>
+      </p:sp>
+      <p:pic>
+        <p:nvPicPr>
+          <p:cNvPr id="5" name="Picture 4">
+            <a:extLst>
+              <a:ext uri="{FF2B5EF4-FFF2-40B4-BE49-F238E27FC236}">
+                <a16:creationId xmlns:a16="http://schemas.microsoft.com/office/drawing/2014/main" id="{23971500-CC0A-1A43-C6A8-A0840583C6DF}"/>
+              </a:ext>
+            </a:extLst>
+          </p:cNvPr>
+          <p:cNvPicPr>
+            <a:picLocks noChangeAspect="1"/>
+          </p:cNvPicPr>
+          <p:nvPr/>
+        </p:nvPicPr>
+        <p:blipFill>
+          <a:blip r:embed="rId2"/>
+          <a:stretch>
+            <a:fillRect/>
+          </a:stretch>
+        </p:blipFill>
+        <p:spPr>
+          <a:xfrm>
+            <a:off x="0" y="298450"/>
+            <a:ext cx="12192000" cy="6261100"/>
+          </a:xfrm>
+          <a:prstGeom prst="rect">
+            <a:avLst/>
+          </a:prstGeom>
+        </p:spPr>
+      </p:pic>
+    </p:spTree>
+    <p:extLst>
+      <p:ext uri="{BB962C8B-B14F-4D97-AF65-F5344CB8AC3E}">
+        <p14:creationId xmlns:p14="http://schemas.microsoft.com/office/powerpoint/2010/main" val="1593949411"/>
+      </p:ext>
+    </p:extLst>
+  </p:cSld>
+  <p:clrMapOvr>
+    <a:masterClrMapping/>
+  </p:clrMapOvr>
+</p:sld>
+</file>
+
 <file path=ppt/slides/slide2.xml><?xml version="1.0" encoding="utf-8"?>
 <p:sld xmlns:a="http://schemas.openxmlformats.org/drawingml/2006/main" xmlns:r="http://schemas.openxmlformats.org/officeDocument/2006/relationships" xmlns:p="http://schemas.openxmlformats.org/presentationml/2006/main">
   <p:cSld>
@@ -4156,10 +4272,210 @@
           </a:extLst>
         </p:spPr>
       </p:pic>
+      <p:pic>
+        <p:nvPicPr>
+          <p:cNvPr id="3" name="Picture 2">
+            <a:extLst>
+              <a:ext uri="{FF2B5EF4-FFF2-40B4-BE49-F238E27FC236}">
+                <a16:creationId xmlns:a16="http://schemas.microsoft.com/office/drawing/2014/main" id="{C74804F9-DB43-59FA-90AC-C314B98F6309}"/>
+              </a:ext>
+            </a:extLst>
+          </p:cNvPr>
+          <p:cNvPicPr>
+            <a:picLocks noChangeAspect="1"/>
+          </p:cNvPicPr>
+          <p:nvPr/>
+        </p:nvPicPr>
+        <p:blipFill>
+          <a:blip r:embed="rId3"/>
+          <a:stretch>
+            <a:fillRect/>
+          </a:stretch>
+        </p:blipFill>
+        <p:spPr>
+          <a:xfrm>
+            <a:off x="0" y="346075"/>
+            <a:ext cx="12192000" cy="6165850"/>
+          </a:xfrm>
+          <a:prstGeom prst="rect">
+            <a:avLst/>
+          </a:prstGeom>
+        </p:spPr>
+      </p:pic>
     </p:spTree>
     <p:extLst>
       <p:ext uri="{BB962C8B-B14F-4D97-AF65-F5344CB8AC3E}">
         <p14:creationId xmlns:p14="http://schemas.microsoft.com/office/powerpoint/2010/main" val="1787393680"/>
+      </p:ext>
+    </p:extLst>
+  </p:cSld>
+  <p:clrMapOvr>
+    <a:masterClrMapping/>
+  </p:clrMapOvr>
+</p:sld>
+</file>
+
+<file path=ppt/slides/slide8.xml><?xml version="1.0" encoding="utf-8"?>
+<p:sld xmlns:a="http://schemas.openxmlformats.org/drawingml/2006/main" xmlns:r="http://schemas.openxmlformats.org/officeDocument/2006/relationships" xmlns:p="http://schemas.openxmlformats.org/presentationml/2006/main">
+  <p:cSld>
+    <p:spTree>
+      <p:nvGrpSpPr>
+        <p:cNvPr id="1" name=""/>
+        <p:cNvGrpSpPr/>
+        <p:nvPr/>
+      </p:nvGrpSpPr>
+      <p:grpSpPr>
+        <a:xfrm>
+          <a:off x="0" y="0"/>
+          <a:ext cx="0" cy="0"/>
+          <a:chOff x="0" y="0"/>
+          <a:chExt cx="0" cy="0"/>
+        </a:xfrm>
+      </p:grpSpPr>
+      <p:sp>
+        <p:nvSpPr>
+          <p:cNvPr id="2" name="Title 1">
+            <a:extLst>
+              <a:ext uri="{FF2B5EF4-FFF2-40B4-BE49-F238E27FC236}">
+                <a16:creationId xmlns:a16="http://schemas.microsoft.com/office/drawing/2014/main" id="{B8A9E3DD-5BBF-5F9C-FA4E-2EBC11F30214}"/>
+              </a:ext>
+            </a:extLst>
+          </p:cNvPr>
+          <p:cNvSpPr>
+            <a:spLocks noGrp="1"/>
+          </p:cNvSpPr>
+          <p:nvPr>
+            <p:ph type="title"/>
+          </p:nvPr>
+        </p:nvSpPr>
+        <p:spPr/>
+        <p:txBody>
+          <a:bodyPr/>
+          <a:lstStyle/>
+          <a:p>
+            <a:endParaRPr lang="en-PH"/>
+          </a:p>
+        </p:txBody>
+      </p:sp>
+      <p:sp>
+        <p:nvSpPr>
+          <p:cNvPr id="3" name="Content Placeholder 2">
+            <a:extLst>
+              <a:ext uri="{FF2B5EF4-FFF2-40B4-BE49-F238E27FC236}">
+                <a16:creationId xmlns:a16="http://schemas.microsoft.com/office/drawing/2014/main" id="{8B4A023D-696D-163B-76D9-6EC2426A11F4}"/>
+              </a:ext>
+            </a:extLst>
+          </p:cNvPr>
+          <p:cNvSpPr>
+            <a:spLocks noGrp="1"/>
+          </p:cNvSpPr>
+          <p:nvPr>
+            <p:ph idx="1"/>
+          </p:nvPr>
+        </p:nvSpPr>
+        <p:spPr/>
+        <p:txBody>
+          <a:bodyPr/>
+          <a:lstStyle/>
+          <a:p>
+            <a:endParaRPr lang="en-PH"/>
+          </a:p>
+        </p:txBody>
+      </p:sp>
+      <p:pic>
+        <p:nvPicPr>
+          <p:cNvPr id="5" name="Picture 4">
+            <a:extLst>
+              <a:ext uri="{FF2B5EF4-FFF2-40B4-BE49-F238E27FC236}">
+                <a16:creationId xmlns:a16="http://schemas.microsoft.com/office/drawing/2014/main" id="{3F78C58A-6C66-C4A4-1C8A-AD8EECBB2F0C}"/>
+              </a:ext>
+            </a:extLst>
+          </p:cNvPr>
+          <p:cNvPicPr>
+            <a:picLocks noChangeAspect="1"/>
+          </p:cNvPicPr>
+          <p:nvPr/>
+        </p:nvPicPr>
+        <p:blipFill>
+          <a:blip r:embed="rId2"/>
+          <a:stretch>
+            <a:fillRect/>
+          </a:stretch>
+        </p:blipFill>
+        <p:spPr>
+          <a:xfrm>
+            <a:off x="0" y="461380"/>
+            <a:ext cx="12192000" cy="5935240"/>
+          </a:xfrm>
+          <a:prstGeom prst="rect">
+            <a:avLst/>
+          </a:prstGeom>
+        </p:spPr>
+      </p:pic>
+    </p:spTree>
+    <p:extLst>
+      <p:ext uri="{BB962C8B-B14F-4D97-AF65-F5344CB8AC3E}">
+        <p14:creationId xmlns:p14="http://schemas.microsoft.com/office/powerpoint/2010/main" val="3918545816"/>
+      </p:ext>
+    </p:extLst>
+  </p:cSld>
+  <p:clrMapOvr>
+    <a:masterClrMapping/>
+  </p:clrMapOvr>
+</p:sld>
+</file>
+
+<file path=ppt/slides/slide9.xml><?xml version="1.0" encoding="utf-8"?>
+<p:sld xmlns:a="http://schemas.openxmlformats.org/drawingml/2006/main" xmlns:r="http://schemas.openxmlformats.org/officeDocument/2006/relationships" xmlns:p="http://schemas.openxmlformats.org/presentationml/2006/main">
+  <p:cSld>
+    <p:spTree>
+      <p:nvGrpSpPr>
+        <p:cNvPr id="1" name=""/>
+        <p:cNvGrpSpPr/>
+        <p:nvPr/>
+      </p:nvGrpSpPr>
+      <p:grpSpPr>
+        <a:xfrm>
+          <a:off x="0" y="0"/>
+          <a:ext cx="0" cy="0"/>
+          <a:chOff x="0" y="0"/>
+          <a:chExt cx="0" cy="0"/>
+        </a:xfrm>
+      </p:grpSpPr>
+      <p:pic>
+        <p:nvPicPr>
+          <p:cNvPr id="8" name="Picture 7">
+            <a:extLst>
+              <a:ext uri="{FF2B5EF4-FFF2-40B4-BE49-F238E27FC236}">
+                <a16:creationId xmlns:a16="http://schemas.microsoft.com/office/drawing/2014/main" id="{205CB970-DEF4-F4CD-A735-FD2E9D488F3A}"/>
+              </a:ext>
+            </a:extLst>
+          </p:cNvPr>
+          <p:cNvPicPr>
+            <a:picLocks noChangeAspect="1"/>
+          </p:cNvPicPr>
+          <p:nvPr/>
+        </p:nvPicPr>
+        <p:blipFill>
+          <a:blip r:embed="rId2"/>
+          <a:stretch>
+            <a:fillRect/>
+          </a:stretch>
+        </p:blipFill>
+        <p:spPr>
+          <a:xfrm>
+            <a:off x="0" y="133350"/>
+            <a:ext cx="12192000" cy="6591300"/>
+          </a:xfrm>
+          <a:prstGeom prst="rect">
+            <a:avLst/>
+          </a:prstGeom>
+        </p:spPr>
+      </p:pic>
+    </p:spTree>
+    <p:extLst>
+      <p:ext uri="{BB962C8B-B14F-4D97-AF65-F5344CB8AC3E}">
+        <p14:creationId xmlns:p14="http://schemas.microsoft.com/office/powerpoint/2010/main" val="1399531574"/>
       </p:ext>
     </p:extLst>
   </p:cSld>
